--- a/api-info-day-2023/img/api-journey-assessment.pptx
+++ b/api-info-day-2023/img/api-journey-assessment.pptx
@@ -104,6 +104,11 @@
       </a:defRPr>
     </a:lvl9pPr>
   </p:defaultTextStyle>
+  <p:extLst>
+    <p:ext uri="{EFAFB233-063F-42B5-8137-9DF3F51BA10A}">
+      <p15:sldGuideLst xmlns:p15="http://schemas.microsoft.com/office/powerpoint/2012/main"/>
+    </p:ext>
+  </p:extLst>
 </p:presentation>
 </file>
 
@@ -870,13 +875,20 @@
     </dgm:pt>
     <dgm:pt modelId="{28425336-0319-D14B-9F46-45852A268E2F}">
       <dgm:prSet phldrT="[Text]"/>
-      <dgm:spPr/>
+      <dgm:spPr>
+        <a:solidFill>
+          <a:srgbClr val="94C63D"/>
+        </a:solidFill>
+      </dgm:spPr>
       <dgm:t>
         <a:bodyPr/>
         <a:lstStyle/>
         <a:p>
           <a:r>
             <a:rPr lang="en-GB" dirty="0">
+              <a:solidFill>
+                <a:srgbClr val="49582F"/>
+              </a:solidFill>
               <a:latin typeface="Ford Antenna Medium" panose="02000505000000020004" pitchFamily="2" charset="0"/>
             </a:rPr>
             <a:t>API Journey</a:t>
@@ -908,13 +920,20 @@
     </dgm:pt>
     <dgm:pt modelId="{2DACC2C4-6403-194D-B028-7F60950053C5}">
       <dgm:prSet phldrT="[Text]"/>
-      <dgm:spPr/>
+      <dgm:spPr>
+        <a:solidFill>
+          <a:srgbClr val="49582F"/>
+        </a:solidFill>
+      </dgm:spPr>
       <dgm:t>
         <a:bodyPr/>
         <a:lstStyle/>
         <a:p>
           <a:r>
             <a:rPr lang="en-GB" dirty="0">
+              <a:solidFill>
+                <a:srgbClr val="94C63D"/>
+              </a:solidFill>
               <a:latin typeface="Ford Antenna Medium" panose="02000505000000020004" pitchFamily="2" charset="0"/>
             </a:rPr>
             <a:t>Strategy and Business Alignment</a:t>
@@ -946,13 +965,20 @@
     </dgm:pt>
     <dgm:pt modelId="{20D03471-A776-3549-A1E2-F617C06E247C}">
       <dgm:prSet phldrT="[Text]"/>
-      <dgm:spPr/>
+      <dgm:spPr>
+        <a:solidFill>
+          <a:srgbClr val="49582F"/>
+        </a:solidFill>
+      </dgm:spPr>
       <dgm:t>
         <a:bodyPr/>
         <a:lstStyle/>
         <a:p>
           <a:r>
             <a:rPr lang="en-GB" dirty="0">
+              <a:solidFill>
+                <a:srgbClr val="94C63D"/>
+              </a:solidFill>
               <a:latin typeface="Ford Antenna Medium" panose="02000505000000020004" pitchFamily="2" charset="0"/>
             </a:rPr>
             <a:t>Product Design, Development, and Management</a:t>
@@ -984,13 +1010,20 @@
     </dgm:pt>
     <dgm:pt modelId="{087DEC0E-C0AC-E24E-8E12-EE43828F0D1E}">
       <dgm:prSet phldrT="[Text]"/>
-      <dgm:spPr/>
+      <dgm:spPr>
+        <a:solidFill>
+          <a:srgbClr val="49582F"/>
+        </a:solidFill>
+      </dgm:spPr>
       <dgm:t>
         <a:bodyPr/>
         <a:lstStyle/>
         <a:p>
           <a:r>
             <a:rPr lang="en-GB" dirty="0">
+              <a:solidFill>
+                <a:srgbClr val="94C63D"/>
+              </a:solidFill>
               <a:latin typeface="Ford Antenna Medium" panose="02000505000000020004" pitchFamily="2" charset="0"/>
             </a:rPr>
             <a:t>Governance and Platform</a:t>
@@ -1022,13 +1055,20 @@
     </dgm:pt>
     <dgm:pt modelId="{6222F7AA-9FEB-4843-88A3-A9C499C8A0CA}">
       <dgm:prSet phldrT="[Text]"/>
-      <dgm:spPr/>
+      <dgm:spPr>
+        <a:solidFill>
+          <a:srgbClr val="49582F"/>
+        </a:solidFill>
+      </dgm:spPr>
       <dgm:t>
         <a:bodyPr/>
         <a:lstStyle/>
         <a:p>
           <a:r>
             <a:rPr lang="en-GB" dirty="0">
+              <a:solidFill>
+                <a:srgbClr val="94C63D"/>
+              </a:solidFill>
               <a:latin typeface="Ford Antenna Medium" panose="02000505000000020004" pitchFamily="2" charset="0"/>
             </a:rPr>
             <a:t>Product and Platform Marketing</a:t>
@@ -1232,12 +1272,7 @@
           <a:avLst/>
         </a:prstGeom>
         <a:solidFill>
-          <a:schemeClr val="accent1">
-            <a:hueOff val="0"/>
-            <a:satOff val="0"/>
-            <a:lumOff val="0"/>
-            <a:alphaOff val="0"/>
-          </a:schemeClr>
+          <a:srgbClr val="49582F"/>
         </a:solidFill>
         <a:ln w="12700" cap="flat" cmpd="sng" algn="ctr">
           <a:solidFill>
@@ -1287,6 +1322,9 @@
           </a:pPr>
           <a:r>
             <a:rPr lang="en-GB" sz="3400" kern="1200" dirty="0">
+              <a:solidFill>
+                <a:srgbClr val="94C63D"/>
+              </a:solidFill>
               <a:latin typeface="Ford Antenna Medium" panose="02000505000000020004" pitchFamily="2" charset="0"/>
             </a:rPr>
             <a:t>Strategy and Business Alignment</a:t>
@@ -1312,12 +1350,7 @@
           <a:avLst/>
         </a:prstGeom>
         <a:solidFill>
-          <a:schemeClr val="accent1">
-            <a:hueOff val="0"/>
-            <a:satOff val="0"/>
-            <a:lumOff val="0"/>
-            <a:alphaOff val="0"/>
-          </a:schemeClr>
+          <a:srgbClr val="49582F"/>
         </a:solidFill>
         <a:ln w="12700" cap="flat" cmpd="sng" algn="ctr">
           <a:solidFill>
@@ -1367,6 +1400,9 @@
           </a:pPr>
           <a:r>
             <a:rPr lang="en-GB" sz="3400" kern="1200" dirty="0">
+              <a:solidFill>
+                <a:srgbClr val="94C63D"/>
+              </a:solidFill>
               <a:latin typeface="Ford Antenna Medium" panose="02000505000000020004" pitchFamily="2" charset="0"/>
             </a:rPr>
             <a:t>Product Design, Development, and Management</a:t>
@@ -1392,12 +1428,7 @@
           <a:avLst/>
         </a:prstGeom>
         <a:solidFill>
-          <a:schemeClr val="accent1">
-            <a:hueOff val="0"/>
-            <a:satOff val="0"/>
-            <a:lumOff val="0"/>
-            <a:alphaOff val="0"/>
-          </a:schemeClr>
+          <a:srgbClr val="49582F"/>
         </a:solidFill>
         <a:ln w="12700" cap="flat" cmpd="sng" algn="ctr">
           <a:solidFill>
@@ -1447,6 +1478,9 @@
           </a:pPr>
           <a:r>
             <a:rPr lang="en-GB" sz="3400" kern="1200" dirty="0">
+              <a:solidFill>
+                <a:srgbClr val="94C63D"/>
+              </a:solidFill>
               <a:latin typeface="Ford Antenna Medium" panose="02000505000000020004" pitchFamily="2" charset="0"/>
             </a:rPr>
             <a:t>Governance and Platform</a:t>
@@ -1472,12 +1506,7 @@
           <a:avLst/>
         </a:prstGeom>
         <a:solidFill>
-          <a:schemeClr val="accent1">
-            <a:hueOff val="0"/>
-            <a:satOff val="0"/>
-            <a:lumOff val="0"/>
-            <a:alphaOff val="0"/>
-          </a:schemeClr>
+          <a:srgbClr val="49582F"/>
         </a:solidFill>
         <a:ln w="12700" cap="flat" cmpd="sng" algn="ctr">
           <a:solidFill>
@@ -1527,6 +1556,9 @@
           </a:pPr>
           <a:r>
             <a:rPr lang="en-GB" sz="3400" kern="1200" dirty="0">
+              <a:solidFill>
+                <a:srgbClr val="94C63D"/>
+              </a:solidFill>
               <a:latin typeface="Ford Antenna Medium" panose="02000505000000020004" pitchFamily="2" charset="0"/>
             </a:rPr>
             <a:t>Product and Platform Marketing</a:t>
@@ -1552,13 +1584,7 @@
           <a:avLst/>
         </a:prstGeom>
         <a:solidFill>
-          <a:schemeClr val="accent1">
-            <a:tint val="60000"/>
-            <a:hueOff val="0"/>
-            <a:satOff val="0"/>
-            <a:lumOff val="0"/>
-            <a:alphaOff val="0"/>
-          </a:schemeClr>
+          <a:srgbClr val="94C63D"/>
         </a:solidFill>
         <a:ln w="12700" cap="flat" cmpd="sng" algn="ctr">
           <a:solidFill>
@@ -1606,6 +1632,9 @@
           </a:pPr>
           <a:r>
             <a:rPr lang="en-GB" sz="3400" kern="1200" dirty="0">
+              <a:solidFill>
+                <a:srgbClr val="49582F"/>
+              </a:solidFill>
               <a:latin typeface="Ford Antenna Medium" panose="02000505000000020004" pitchFamily="2" charset="0"/>
             </a:rPr>
             <a:t>API Journey</a:t>
@@ -3181,7 +3210,7 @@
           <a:p>
             <a:fld id="{9E4D55FC-5C71-6B40-9A8E-411BC78E928F}" type="datetimeFigureOut">
               <a:rPr lang="en-CH" smtClean="0"/>
-              <a:t>25.10.2023</a:t>
+              <a:t>26.10.2023</a:t>
             </a:fld>
             <a:endParaRPr lang="en-CH"/>
           </a:p>
@@ -3381,7 +3410,7 @@
           <a:p>
             <a:fld id="{9E4D55FC-5C71-6B40-9A8E-411BC78E928F}" type="datetimeFigureOut">
               <a:rPr lang="en-CH" smtClean="0"/>
-              <a:t>25.10.2023</a:t>
+              <a:t>26.10.2023</a:t>
             </a:fld>
             <a:endParaRPr lang="en-CH"/>
           </a:p>
@@ -3591,7 +3620,7 @@
           <a:p>
             <a:fld id="{9E4D55FC-5C71-6B40-9A8E-411BC78E928F}" type="datetimeFigureOut">
               <a:rPr lang="en-CH" smtClean="0"/>
-              <a:t>25.10.2023</a:t>
+              <a:t>26.10.2023</a:t>
             </a:fld>
             <a:endParaRPr lang="en-CH"/>
           </a:p>
@@ -3791,7 +3820,7 @@
           <a:p>
             <a:fld id="{9E4D55FC-5C71-6B40-9A8E-411BC78E928F}" type="datetimeFigureOut">
               <a:rPr lang="en-CH" smtClean="0"/>
-              <a:t>25.10.2023</a:t>
+              <a:t>26.10.2023</a:t>
             </a:fld>
             <a:endParaRPr lang="en-CH"/>
           </a:p>
@@ -4067,7 +4096,7 @@
           <a:p>
             <a:fld id="{9E4D55FC-5C71-6B40-9A8E-411BC78E928F}" type="datetimeFigureOut">
               <a:rPr lang="en-CH" smtClean="0"/>
-              <a:t>25.10.2023</a:t>
+              <a:t>26.10.2023</a:t>
             </a:fld>
             <a:endParaRPr lang="en-CH"/>
           </a:p>
@@ -4335,7 +4364,7 @@
           <a:p>
             <a:fld id="{9E4D55FC-5C71-6B40-9A8E-411BC78E928F}" type="datetimeFigureOut">
               <a:rPr lang="en-CH" smtClean="0"/>
-              <a:t>25.10.2023</a:t>
+              <a:t>26.10.2023</a:t>
             </a:fld>
             <a:endParaRPr lang="en-CH"/>
           </a:p>
@@ -4750,7 +4779,7 @@
           <a:p>
             <a:fld id="{9E4D55FC-5C71-6B40-9A8E-411BC78E928F}" type="datetimeFigureOut">
               <a:rPr lang="en-CH" smtClean="0"/>
-              <a:t>25.10.2023</a:t>
+              <a:t>26.10.2023</a:t>
             </a:fld>
             <a:endParaRPr lang="en-CH"/>
           </a:p>
@@ -4892,7 +4921,7 @@
           <a:p>
             <a:fld id="{9E4D55FC-5C71-6B40-9A8E-411BC78E928F}" type="datetimeFigureOut">
               <a:rPr lang="en-CH" smtClean="0"/>
-              <a:t>25.10.2023</a:t>
+              <a:t>26.10.2023</a:t>
             </a:fld>
             <a:endParaRPr lang="en-CH"/>
           </a:p>
@@ -5005,7 +5034,7 @@
           <a:p>
             <a:fld id="{9E4D55FC-5C71-6B40-9A8E-411BC78E928F}" type="datetimeFigureOut">
               <a:rPr lang="en-CH" smtClean="0"/>
-              <a:t>25.10.2023</a:t>
+              <a:t>26.10.2023</a:t>
             </a:fld>
             <a:endParaRPr lang="en-CH"/>
           </a:p>
@@ -5318,7 +5347,7 @@
           <a:p>
             <a:fld id="{9E4D55FC-5C71-6B40-9A8E-411BC78E928F}" type="datetimeFigureOut">
               <a:rPr lang="en-CH" smtClean="0"/>
-              <a:t>25.10.2023</a:t>
+              <a:t>26.10.2023</a:t>
             </a:fld>
             <a:endParaRPr lang="en-CH"/>
           </a:p>
@@ -5607,7 +5636,7 @@
           <a:p>
             <a:fld id="{9E4D55FC-5C71-6B40-9A8E-411BC78E928F}" type="datetimeFigureOut">
               <a:rPr lang="en-CH" smtClean="0"/>
-              <a:t>25.10.2023</a:t>
+              <a:t>26.10.2023</a:t>
             </a:fld>
             <a:endParaRPr lang="en-CH"/>
           </a:p>
@@ -5850,7 +5879,7 @@
           <a:p>
             <a:fld id="{9E4D55FC-5C71-6B40-9A8E-411BC78E928F}" type="datetimeFigureOut">
               <a:rPr lang="en-CH" smtClean="0"/>
-              <a:t>25.10.2023</a:t>
+              <a:t>26.10.2023</a:t>
             </a:fld>
             <a:endParaRPr lang="en-CH"/>
           </a:p>
@@ -6280,7 +6309,7 @@
           <p:nvPr>
             <p:extLst>
               <p:ext uri="{D42A27DB-BD31-4B8C-83A1-F6EECF244321}">
-                <p14:modId xmlns:p14="http://schemas.microsoft.com/office/powerpoint/2010/main" val="323634659"/>
+                <p14:modId xmlns:p14="http://schemas.microsoft.com/office/powerpoint/2010/main" val="1798034003"/>
               </p:ext>
             </p:extLst>
           </p:nvPr>
